--- a/HW5/HW5-2_vga_pingpong/HW5-2_vga_pingpong.pptx
+++ b/HW5/HW5-2_vga_pingpong/HW5-2_vga_pingpong.pptx
@@ -3994,6 +3994,11 @@
 <file path=ppt/slides/slide3.xml><?xml version="1.0" encoding="utf-8"?>
 <p:sld xmlns:a="http://schemas.openxmlformats.org/drawingml/2006/main" xmlns:r="http://schemas.openxmlformats.org/officeDocument/2006/relationships" xmlns:p="http://schemas.openxmlformats.org/presentationml/2006/main">
   <p:cSld>
+    <p:bg>
+      <p:bgRef idx="1001">
+        <a:schemeClr val="bg1"/>
+      </p:bgRef>
+    </p:bg>
     <p:spTree>
       <p:nvGrpSpPr>
         <p:cNvPr id="1" name=""/>
@@ -4024,12 +4029,7 @@
             <p:ph type="title"/>
           </p:nvPr>
         </p:nvSpPr>
-        <p:spPr>
-          <a:xfrm>
-            <a:off x="838200" y="365125"/>
-            <a:ext cx="10515600" cy="720000"/>
-          </a:xfrm>
-        </p:spPr>
+        <p:spPr/>
         <p:txBody>
           <a:bodyPr/>
           <a:lstStyle/>
@@ -4060,7 +4060,7 @@
           <p:nvPr/>
         </p:nvPicPr>
         <p:blipFill>
-          <a:blip r:embed="rId2"/>
+          <a:blip r:embed="rId3"/>
           <a:stretch>
             <a:fillRect/>
           </a:stretch>
@@ -4201,7 +4201,7 @@
         </p:grpSpPr>
         <mc:AlternateContent xmlns:mc="http://schemas.openxmlformats.org/markup-compatibility/2006" xmlns:p14="http://schemas.microsoft.com/office/powerpoint/2010/main">
           <mc:Choice Requires="p14">
-            <p:contentPart p14:bwMode="auto" r:id="rId3">
+            <p:contentPart p14:bwMode="auto" r:id="rId4">
               <p14:nvContentPartPr>
                 <p14:cNvPr id="14" name="筆跡 13">
                   <a:extLst>
@@ -4233,7 +4233,7 @@
                 <p:nvPr/>
               </p:nvPicPr>
               <p:blipFill>
-                <a:blip r:embed="rId4"/>
+                <a:blip r:embed="rId5"/>
                 <a:stretch>
                   <a:fillRect/>
                 </a:stretch>
@@ -4252,7 +4252,7 @@
         </mc:AlternateContent>
         <mc:AlternateContent xmlns:mc="http://schemas.openxmlformats.org/markup-compatibility/2006" xmlns:p14="http://schemas.microsoft.com/office/powerpoint/2010/main">
           <mc:Choice Requires="p14">
-            <p:contentPart p14:bwMode="auto" r:id="rId5">
+            <p:contentPart p14:bwMode="auto" r:id="rId6">
               <p14:nvContentPartPr>
                 <p14:cNvPr id="15" name="筆跡 14">
                   <a:extLst>
@@ -4284,7 +4284,7 @@
                 <p:nvPr/>
               </p:nvPicPr>
               <p:blipFill>
-                <a:blip r:embed="rId6"/>
+                <a:blip r:embed="rId7"/>
                 <a:stretch>
                   <a:fillRect/>
                 </a:stretch>
@@ -4303,7 +4303,7 @@
         </mc:AlternateContent>
         <mc:AlternateContent xmlns:mc="http://schemas.openxmlformats.org/markup-compatibility/2006" xmlns:p14="http://schemas.microsoft.com/office/powerpoint/2010/main">
           <mc:Choice Requires="p14">
-            <p:contentPart p14:bwMode="auto" r:id="rId7">
+            <p:contentPart p14:bwMode="auto" r:id="rId8">
               <p14:nvContentPartPr>
                 <p14:cNvPr id="17" name="筆跡 16">
                   <a:extLst>
@@ -4335,7 +4335,7 @@
                 <p:nvPr/>
               </p:nvPicPr>
               <p:blipFill>
-                <a:blip r:embed="rId8"/>
+                <a:blip r:embed="rId9"/>
                 <a:stretch>
                   <a:fillRect/>
                 </a:stretch>
@@ -4449,7 +4449,7 @@
           <p:nvPr/>
         </p:nvPicPr>
         <p:blipFill>
-          <a:blip r:embed="rId9"/>
+          <a:blip r:embed="rId10"/>
           <a:stretch>
             <a:fillRect/>
           </a:stretch>
@@ -4462,6 +4462,11 @@
           <a:prstGeom prst="rect">
             <a:avLst/>
           </a:prstGeom>
+          <a:ln w="28575">
+            <a:solidFill>
+              <a:srgbClr val="FF0000"/>
+            </a:solidFill>
+          </a:ln>
         </p:spPr>
       </p:pic>
     </p:spTree>
@@ -4472,7 +4477,7 @@
     </p:extLst>
   </p:cSld>
   <p:clrMapOvr>
-    <a:masterClrMapping/>
+    <a:overrideClrMapping bg1="lt1" tx1="dk1" bg2="lt2" tx2="dk2" accent1="accent1" accent2="accent2" accent3="accent3" accent4="accent4" accent5="accent5" accent6="accent6" hlink="hlink" folHlink="folHlink"/>
   </p:clrMapOvr>
 </p:sld>
 </file>
@@ -4553,6 +4558,11 @@
           <a:prstGeom prst="rect">
             <a:avLst/>
           </a:prstGeom>
+          <a:ln w="28575">
+            <a:solidFill>
+              <a:srgbClr val="FF0000"/>
+            </a:solidFill>
+          </a:ln>
         </p:spPr>
       </p:pic>
       <p:sp>
@@ -5706,4 +5716,47 @@
     </a:ext>
   </a:extLst>
 </a:theme>
+</file>
+
+<file path=ppt/theme/themeOverride1.xml><?xml version="1.0" encoding="utf-8"?>
+<a:themeOverride xmlns:a="http://schemas.openxmlformats.org/drawingml/2006/main">
+  <a:clrScheme name="Office">
+    <a:dk1>
+      <a:sysClr val="windowText" lastClr="000000"/>
+    </a:dk1>
+    <a:lt1>
+      <a:sysClr val="window" lastClr="FFFFFF"/>
+    </a:lt1>
+    <a:dk2>
+      <a:srgbClr val="44546A"/>
+    </a:dk2>
+    <a:lt2>
+      <a:srgbClr val="E7E6E6"/>
+    </a:lt2>
+    <a:accent1>
+      <a:srgbClr val="5B9BD5"/>
+    </a:accent1>
+    <a:accent2>
+      <a:srgbClr val="ED7D31"/>
+    </a:accent2>
+    <a:accent3>
+      <a:srgbClr val="A5A5A5"/>
+    </a:accent3>
+    <a:accent4>
+      <a:srgbClr val="FFC000"/>
+    </a:accent4>
+    <a:accent5>
+      <a:srgbClr val="4472C4"/>
+    </a:accent5>
+    <a:accent6>
+      <a:srgbClr val="70AD47"/>
+    </a:accent6>
+    <a:hlink>
+      <a:srgbClr val="0563C1"/>
+    </a:hlink>
+    <a:folHlink>
+      <a:srgbClr val="954F72"/>
+    </a:folHlink>
+  </a:clrScheme>
+</a:themeOverride>
 </file>
--- a/HW5/HW5-2_vga_pingpong/HW5-2_vga_pingpong.pptx
+++ b/HW5/HW5-2_vga_pingpong/HW5-2_vga_pingpong.pptx
@@ -4552,8 +4552,8 @@
         </p:blipFill>
         <p:spPr>
           <a:xfrm>
-            <a:off x="2377139" y="1946696"/>
-            <a:ext cx="7437722" cy="2311400"/>
+            <a:off x="1286893" y="1461256"/>
+            <a:ext cx="6423961" cy="1996356"/>
           </a:xfrm>
           <a:prstGeom prst="rect">
             <a:avLst/>
@@ -4579,8 +4579,8 @@
         </p:nvSpPr>
         <p:spPr>
           <a:xfrm>
-            <a:off x="2377140" y="4398566"/>
-            <a:ext cx="7437721" cy="646331"/>
+            <a:off x="1137425" y="3703974"/>
+            <a:ext cx="6573429" cy="646331"/>
           </a:xfrm>
           <a:prstGeom prst="rect">
             <a:avLst/>
@@ -4640,12 +4640,645 @@
                 <a:latin typeface="標楷體" panose="03000509000000000000" pitchFamily="65" charset="-120"/>
                 <a:ea typeface="標楷體" panose="03000509000000000000" pitchFamily="65" charset="-120"/>
               </a:rPr>
-              <a:t>上。</a:t>
+              <a:t>上，讀取</a:t>
+            </a:r>
+            <a:r>
+              <a:rPr lang="en-US" altLang="zh-TW" dirty="0">
+                <a:latin typeface="標楷體" panose="03000509000000000000" pitchFamily="65" charset="-120"/>
+                <a:ea typeface="標楷體" panose="03000509000000000000" pitchFamily="65" charset="-120"/>
+              </a:rPr>
+              <a:t>BRAM</a:t>
+            </a:r>
+            <a:r>
+              <a:rPr lang="zh-TW" altLang="en-US" dirty="0">
+                <a:latin typeface="標楷體" panose="03000509000000000000" pitchFamily="65" charset="-120"/>
+                <a:ea typeface="標楷體" panose="03000509000000000000" pitchFamily="65" charset="-120"/>
+              </a:rPr>
+              <a:t>記憶體位址可以參考右圖：</a:t>
             </a:r>
             <a:endParaRPr lang="zh-TW" altLang="en-US" dirty="0"/>
           </a:p>
         </p:txBody>
       </p:sp>
+      <p:cxnSp>
+        <p:nvCxnSpPr>
+          <p:cNvPr id="4" name="直線單箭頭接點 3">
+            <a:extLst>
+              <a:ext uri="{FF2B5EF4-FFF2-40B4-BE49-F238E27FC236}">
+                <a16:creationId xmlns:a16="http://schemas.microsoft.com/office/drawing/2014/main" id="{890BC259-D372-F683-F673-F0C1EB84FD1A}"/>
+              </a:ext>
+            </a:extLst>
+          </p:cNvPr>
+          <p:cNvCxnSpPr>
+            <a:cxnSpLocks/>
+          </p:cNvCxnSpPr>
+          <p:nvPr/>
+        </p:nvCxnSpPr>
+        <p:spPr>
+          <a:xfrm>
+            <a:off x="8425675" y="3293585"/>
+            <a:ext cx="600075" cy="0"/>
+          </a:xfrm>
+          <a:prstGeom prst="straightConnector1">
+            <a:avLst/>
+          </a:prstGeom>
+          <a:ln>
+            <a:tailEnd type="triangle"/>
+          </a:ln>
+        </p:spPr>
+        <p:style>
+          <a:lnRef idx="1">
+            <a:schemeClr val="dk1"/>
+          </a:lnRef>
+          <a:fillRef idx="0">
+            <a:schemeClr val="dk1"/>
+          </a:fillRef>
+          <a:effectRef idx="0">
+            <a:schemeClr val="dk1"/>
+          </a:effectRef>
+          <a:fontRef idx="minor">
+            <a:schemeClr val="tx1"/>
+          </a:fontRef>
+        </p:style>
+      </p:cxnSp>
+      <p:sp>
+        <p:nvSpPr>
+          <p:cNvPr id="5" name="文字方塊 4">
+            <a:extLst>
+              <a:ext uri="{FF2B5EF4-FFF2-40B4-BE49-F238E27FC236}">
+                <a16:creationId xmlns:a16="http://schemas.microsoft.com/office/drawing/2014/main" id="{C5163AB1-8D8C-AAA3-559A-E192F91424B1}"/>
+              </a:ext>
+            </a:extLst>
+          </p:cNvPr>
+          <p:cNvSpPr txBox="1"/>
+          <p:nvPr/>
+        </p:nvSpPr>
+        <p:spPr>
+          <a:xfrm>
+            <a:off x="8930352" y="3108919"/>
+            <a:ext cx="2038498" cy="369332"/>
+          </a:xfrm>
+          <a:prstGeom prst="rect">
+            <a:avLst/>
+          </a:prstGeom>
+          <a:noFill/>
+        </p:spPr>
+        <p:txBody>
+          <a:bodyPr wrap="square">
+            <a:spAutoFit/>
+          </a:bodyPr>
+          <a:lstStyle/>
+          <a:p>
+            <a:r>
+              <a:rPr lang="zh-TW" altLang="en-US" dirty="0">
+                <a:latin typeface="+mj-lt"/>
+              </a:rPr>
+              <a:t>：</a:t>
+            </a:r>
+            <a:r>
+              <a:rPr lang="en-US" altLang="zh-TW" dirty="0" err="1">
+                <a:latin typeface="+mj-lt"/>
+              </a:rPr>
+              <a:t>addr</a:t>
+            </a:r>
+            <a:r>
+              <a:rPr lang="zh-TW" altLang="en-US" dirty="0">
+                <a:latin typeface="+mj-lt"/>
+              </a:rPr>
+              <a:t> 計數</a:t>
+            </a:r>
+          </a:p>
+        </p:txBody>
+      </p:sp>
+      <p:grpSp>
+        <p:nvGrpSpPr>
+          <p:cNvPr id="6" name="群組 5">
+            <a:extLst>
+              <a:ext uri="{FF2B5EF4-FFF2-40B4-BE49-F238E27FC236}">
+                <a16:creationId xmlns:a16="http://schemas.microsoft.com/office/drawing/2014/main" id="{B5DF2BC9-822E-CBF7-C89B-8CAC15BCCCFD}"/>
+              </a:ext>
+            </a:extLst>
+          </p:cNvPr>
+          <p:cNvGrpSpPr/>
+          <p:nvPr/>
+        </p:nvGrpSpPr>
+        <p:grpSpPr>
+          <a:xfrm>
+            <a:off x="8235175" y="3560152"/>
+            <a:ext cx="2819400" cy="2447808"/>
+            <a:chOff x="8534400" y="3305175"/>
+            <a:chExt cx="2819400" cy="2447808"/>
+          </a:xfrm>
+        </p:grpSpPr>
+        <p:sp>
+          <p:nvSpPr>
+            <p:cNvPr id="7" name="等腰三角形 6">
+              <a:extLst>
+                <a:ext uri="{FF2B5EF4-FFF2-40B4-BE49-F238E27FC236}">
+                  <a16:creationId xmlns:a16="http://schemas.microsoft.com/office/drawing/2014/main" id="{23CC222D-7FA1-9A2C-3B21-0A45E0682E77}"/>
+                </a:ext>
+              </a:extLst>
+            </p:cNvPr>
+            <p:cNvSpPr/>
+            <p:nvPr/>
+          </p:nvSpPr>
+          <p:spPr>
+            <a:xfrm>
+              <a:off x="9544049" y="5143901"/>
+              <a:ext cx="780757" cy="609082"/>
+            </a:xfrm>
+            <a:prstGeom prst="triangle">
+              <a:avLst/>
+            </a:prstGeom>
+            <a:noFill/>
+          </p:spPr>
+          <p:style>
+            <a:lnRef idx="2">
+              <a:schemeClr val="accent1">
+                <a:shade val="15000"/>
+              </a:schemeClr>
+            </a:lnRef>
+            <a:fillRef idx="1">
+              <a:schemeClr val="accent1"/>
+            </a:fillRef>
+            <a:effectRef idx="0">
+              <a:schemeClr val="accent1"/>
+            </a:effectRef>
+            <a:fontRef idx="minor">
+              <a:schemeClr val="lt1"/>
+            </a:fontRef>
+          </p:style>
+          <p:txBody>
+            <a:bodyPr rtlCol="0" anchor="ctr"/>
+            <a:lstStyle/>
+            <a:p>
+              <a:pPr algn="ctr"/>
+              <a:endParaRPr lang="zh-TW" altLang="en-US"/>
+            </a:p>
+          </p:txBody>
+        </p:sp>
+        <p:sp>
+          <p:nvSpPr>
+            <p:cNvPr id="8" name="矩形: 圓角 7">
+              <a:extLst>
+                <a:ext uri="{FF2B5EF4-FFF2-40B4-BE49-F238E27FC236}">
+                  <a16:creationId xmlns:a16="http://schemas.microsoft.com/office/drawing/2014/main" id="{700F3509-EDB7-6322-7C46-91F8348E31EE}"/>
+                </a:ext>
+              </a:extLst>
+            </p:cNvPr>
+            <p:cNvSpPr/>
+            <p:nvPr/>
+          </p:nvSpPr>
+          <p:spPr>
+            <a:xfrm>
+              <a:off x="8534400" y="3305175"/>
+              <a:ext cx="2819400" cy="2114550"/>
+            </a:xfrm>
+            <a:prstGeom prst="roundRect">
+              <a:avLst/>
+            </a:prstGeom>
+            <a:solidFill>
+              <a:schemeClr val="bg1"/>
+            </a:solidFill>
+          </p:spPr>
+          <p:style>
+            <a:lnRef idx="2">
+              <a:schemeClr val="accent1">
+                <a:shade val="15000"/>
+              </a:schemeClr>
+            </a:lnRef>
+            <a:fillRef idx="1">
+              <a:schemeClr val="accent1"/>
+            </a:fillRef>
+            <a:effectRef idx="0">
+              <a:schemeClr val="accent1"/>
+            </a:effectRef>
+            <a:fontRef idx="minor">
+              <a:schemeClr val="lt1"/>
+            </a:fontRef>
+          </p:style>
+          <p:txBody>
+            <a:bodyPr rtlCol="0" anchor="ctr"/>
+            <a:lstStyle/>
+            <a:p>
+              <a:pPr algn="ctr"/>
+              <a:endParaRPr lang="zh-TW" altLang="en-US" dirty="0"/>
+            </a:p>
+          </p:txBody>
+        </p:sp>
+        <p:sp>
+          <p:nvSpPr>
+            <p:cNvPr id="9" name="矩形 8">
+              <a:extLst>
+                <a:ext uri="{FF2B5EF4-FFF2-40B4-BE49-F238E27FC236}">
+                  <a16:creationId xmlns:a16="http://schemas.microsoft.com/office/drawing/2014/main" id="{670A2944-5B39-F0B3-32E2-818191B1D446}"/>
+                </a:ext>
+              </a:extLst>
+            </p:cNvPr>
+            <p:cNvSpPr/>
+            <p:nvPr/>
+          </p:nvSpPr>
+          <p:spPr>
+            <a:xfrm>
+              <a:off x="8724900" y="3567702"/>
+              <a:ext cx="742950" cy="718548"/>
+            </a:xfrm>
+            <a:prstGeom prst="rect">
+              <a:avLst/>
+            </a:prstGeom>
+            <a:noFill/>
+          </p:spPr>
+          <p:style>
+            <a:lnRef idx="2">
+              <a:schemeClr val="accent1">
+                <a:shade val="15000"/>
+              </a:schemeClr>
+            </a:lnRef>
+            <a:fillRef idx="1">
+              <a:schemeClr val="accent1"/>
+            </a:fillRef>
+            <a:effectRef idx="0">
+              <a:schemeClr val="accent1"/>
+            </a:effectRef>
+            <a:fontRef idx="minor">
+              <a:schemeClr val="lt1"/>
+            </a:fontRef>
+          </p:style>
+          <p:txBody>
+            <a:bodyPr rtlCol="0" anchor="ctr"/>
+            <a:lstStyle/>
+            <a:p>
+              <a:pPr algn="ctr"/>
+              <a:endParaRPr lang="zh-TW" altLang="en-US"/>
+            </a:p>
+          </p:txBody>
+        </p:sp>
+        <p:cxnSp>
+          <p:nvCxnSpPr>
+            <p:cNvPr id="10" name="直線單箭頭接點 9">
+              <a:extLst>
+                <a:ext uri="{FF2B5EF4-FFF2-40B4-BE49-F238E27FC236}">
+                  <a16:creationId xmlns:a16="http://schemas.microsoft.com/office/drawing/2014/main" id="{DF993B77-A8A3-3650-3123-EDC87A67B5F6}"/>
+                </a:ext>
+              </a:extLst>
+            </p:cNvPr>
+            <p:cNvCxnSpPr>
+              <a:cxnSpLocks/>
+            </p:cNvCxnSpPr>
+            <p:nvPr/>
+          </p:nvCxnSpPr>
+          <p:spPr>
+            <a:xfrm>
+              <a:off x="8796337" y="3657600"/>
+              <a:ext cx="600075" cy="0"/>
+            </a:xfrm>
+            <a:prstGeom prst="straightConnector1">
+              <a:avLst/>
+            </a:prstGeom>
+            <a:ln>
+              <a:tailEnd type="triangle"/>
+            </a:ln>
+          </p:spPr>
+          <p:style>
+            <a:lnRef idx="1">
+              <a:schemeClr val="dk1"/>
+            </a:lnRef>
+            <a:fillRef idx="0">
+              <a:schemeClr val="dk1"/>
+            </a:fillRef>
+            <a:effectRef idx="0">
+              <a:schemeClr val="dk1"/>
+            </a:effectRef>
+            <a:fontRef idx="minor">
+              <a:schemeClr val="tx1"/>
+            </a:fontRef>
+          </p:style>
+        </p:cxnSp>
+        <p:cxnSp>
+          <p:nvCxnSpPr>
+            <p:cNvPr id="11" name="直線單箭頭接點 10">
+              <a:extLst>
+                <a:ext uri="{FF2B5EF4-FFF2-40B4-BE49-F238E27FC236}">
+                  <a16:creationId xmlns:a16="http://schemas.microsoft.com/office/drawing/2014/main" id="{8583DCE3-902A-6851-F64D-2322AB2FC8F8}"/>
+                </a:ext>
+              </a:extLst>
+            </p:cNvPr>
+            <p:cNvCxnSpPr>
+              <a:cxnSpLocks/>
+            </p:cNvCxnSpPr>
+            <p:nvPr/>
+          </p:nvCxnSpPr>
+          <p:spPr>
+            <a:xfrm flipH="1">
+              <a:off x="8796337" y="3671905"/>
+              <a:ext cx="600075" cy="157145"/>
+            </a:xfrm>
+            <a:prstGeom prst="straightConnector1">
+              <a:avLst/>
+            </a:prstGeom>
+            <a:ln>
+              <a:tailEnd type="triangle"/>
+            </a:ln>
+          </p:spPr>
+          <p:style>
+            <a:lnRef idx="1">
+              <a:schemeClr val="dk1"/>
+            </a:lnRef>
+            <a:fillRef idx="0">
+              <a:schemeClr val="dk1"/>
+            </a:fillRef>
+            <a:effectRef idx="0">
+              <a:schemeClr val="dk1"/>
+            </a:effectRef>
+            <a:fontRef idx="minor">
+              <a:schemeClr val="tx1"/>
+            </a:fontRef>
+          </p:style>
+        </p:cxnSp>
+        <p:cxnSp>
+          <p:nvCxnSpPr>
+            <p:cNvPr id="12" name="直線單箭頭接點 11">
+              <a:extLst>
+                <a:ext uri="{FF2B5EF4-FFF2-40B4-BE49-F238E27FC236}">
+                  <a16:creationId xmlns:a16="http://schemas.microsoft.com/office/drawing/2014/main" id="{62497BE4-8567-82D4-B5CA-A21A9F0F8D78}"/>
+                </a:ext>
+              </a:extLst>
+            </p:cNvPr>
+            <p:cNvCxnSpPr>
+              <a:cxnSpLocks/>
+            </p:cNvCxnSpPr>
+            <p:nvPr/>
+          </p:nvCxnSpPr>
+          <p:spPr>
+            <a:xfrm>
+              <a:off x="8796337" y="3829050"/>
+              <a:ext cx="583846" cy="97926"/>
+            </a:xfrm>
+            <a:prstGeom prst="straightConnector1">
+              <a:avLst/>
+            </a:prstGeom>
+            <a:ln>
+              <a:tailEnd type="triangle"/>
+            </a:ln>
+          </p:spPr>
+          <p:style>
+            <a:lnRef idx="1">
+              <a:schemeClr val="dk1"/>
+            </a:lnRef>
+            <a:fillRef idx="0">
+              <a:schemeClr val="dk1"/>
+            </a:fillRef>
+            <a:effectRef idx="0">
+              <a:schemeClr val="dk1"/>
+            </a:effectRef>
+            <a:fontRef idx="minor">
+              <a:schemeClr val="tx1"/>
+            </a:fontRef>
+          </p:style>
+        </p:cxnSp>
+        <p:cxnSp>
+          <p:nvCxnSpPr>
+            <p:cNvPr id="13" name="直線單箭頭接點 12">
+              <a:extLst>
+                <a:ext uri="{FF2B5EF4-FFF2-40B4-BE49-F238E27FC236}">
+                  <a16:creationId xmlns:a16="http://schemas.microsoft.com/office/drawing/2014/main" id="{6E7CCF86-2A9F-845C-57A7-5165BA819C26}"/>
+                </a:ext>
+              </a:extLst>
+            </p:cNvPr>
+            <p:cNvCxnSpPr>
+              <a:cxnSpLocks/>
+            </p:cNvCxnSpPr>
+            <p:nvPr/>
+          </p:nvCxnSpPr>
+          <p:spPr>
+            <a:xfrm flipH="1">
+              <a:off x="8796337" y="3936298"/>
+              <a:ext cx="600075" cy="183853"/>
+            </a:xfrm>
+            <a:prstGeom prst="straightConnector1">
+              <a:avLst/>
+            </a:prstGeom>
+            <a:ln>
+              <a:tailEnd type="triangle"/>
+            </a:ln>
+          </p:spPr>
+          <p:style>
+            <a:lnRef idx="1">
+              <a:schemeClr val="dk1"/>
+            </a:lnRef>
+            <a:fillRef idx="0">
+              <a:schemeClr val="dk1"/>
+            </a:fillRef>
+            <a:effectRef idx="0">
+              <a:schemeClr val="dk1"/>
+            </a:effectRef>
+            <a:fontRef idx="minor">
+              <a:schemeClr val="tx1"/>
+            </a:fontRef>
+          </p:style>
+        </p:cxnSp>
+        <p:cxnSp>
+          <p:nvCxnSpPr>
+            <p:cNvPr id="14" name="直線單箭頭接點 13">
+              <a:extLst>
+                <a:ext uri="{FF2B5EF4-FFF2-40B4-BE49-F238E27FC236}">
+                  <a16:creationId xmlns:a16="http://schemas.microsoft.com/office/drawing/2014/main" id="{0AA56BE1-6011-79A9-7A48-8545ADBADDD8}"/>
+                </a:ext>
+              </a:extLst>
+            </p:cNvPr>
+            <p:cNvCxnSpPr>
+              <a:cxnSpLocks/>
+            </p:cNvCxnSpPr>
+            <p:nvPr/>
+          </p:nvCxnSpPr>
+          <p:spPr>
+            <a:xfrm>
+              <a:off x="8796337" y="4120151"/>
+              <a:ext cx="583846" cy="97926"/>
+            </a:xfrm>
+            <a:prstGeom prst="straightConnector1">
+              <a:avLst/>
+            </a:prstGeom>
+            <a:ln>
+              <a:tailEnd type="triangle"/>
+            </a:ln>
+          </p:spPr>
+          <p:style>
+            <a:lnRef idx="1">
+              <a:schemeClr val="dk1"/>
+            </a:lnRef>
+            <a:fillRef idx="0">
+              <a:schemeClr val="dk1"/>
+            </a:fillRef>
+            <a:effectRef idx="0">
+              <a:schemeClr val="dk1"/>
+            </a:effectRef>
+            <a:fontRef idx="minor">
+              <a:schemeClr val="tx1"/>
+            </a:fontRef>
+          </p:style>
+        </p:cxnSp>
+        <p:sp>
+          <p:nvSpPr>
+            <p:cNvPr id="15" name="文字方塊 14">
+              <a:extLst>
+                <a:ext uri="{FF2B5EF4-FFF2-40B4-BE49-F238E27FC236}">
+                  <a16:creationId xmlns:a16="http://schemas.microsoft.com/office/drawing/2014/main" id="{1DFC8257-82FD-C444-75D6-813E29F6D803}"/>
+                </a:ext>
+              </a:extLst>
+            </p:cNvPr>
+            <p:cNvSpPr txBox="1"/>
+            <p:nvPr/>
+          </p:nvSpPr>
+          <p:spPr>
+            <a:xfrm>
+              <a:off x="8647117" y="3313761"/>
+              <a:ext cx="266774" cy="307777"/>
+            </a:xfrm>
+            <a:prstGeom prst="rect">
+              <a:avLst/>
+            </a:prstGeom>
+            <a:noFill/>
+          </p:spPr>
+          <p:txBody>
+            <a:bodyPr wrap="square">
+              <a:spAutoFit/>
+            </a:bodyPr>
+            <a:lstStyle/>
+            <a:p>
+              <a:r>
+                <a:rPr lang="en-US" altLang="zh-TW" sz="1400" dirty="0">
+                  <a:latin typeface="+mj-lt"/>
+                </a:rPr>
+                <a:t>1</a:t>
+              </a:r>
+              <a:endParaRPr lang="zh-TW" altLang="en-US" sz="1400" dirty="0">
+                <a:latin typeface="+mj-lt"/>
+              </a:endParaRPr>
+            </a:p>
+          </p:txBody>
+        </p:sp>
+        <p:sp>
+          <p:nvSpPr>
+            <p:cNvPr id="16" name="文字方塊 15">
+              <a:extLst>
+                <a:ext uri="{FF2B5EF4-FFF2-40B4-BE49-F238E27FC236}">
+                  <a16:creationId xmlns:a16="http://schemas.microsoft.com/office/drawing/2014/main" id="{4AE7FFC4-D4F8-5CBB-26CE-FBC06D776E7E}"/>
+                </a:ext>
+              </a:extLst>
+            </p:cNvPr>
+            <p:cNvSpPr txBox="1"/>
+            <p:nvPr/>
+          </p:nvSpPr>
+          <p:spPr>
+            <a:xfrm>
+              <a:off x="9175927" y="3313761"/>
+              <a:ext cx="583846" cy="307777"/>
+            </a:xfrm>
+            <a:prstGeom prst="rect">
+              <a:avLst/>
+            </a:prstGeom>
+            <a:noFill/>
+          </p:spPr>
+          <p:txBody>
+            <a:bodyPr wrap="square">
+              <a:spAutoFit/>
+            </a:bodyPr>
+            <a:lstStyle/>
+            <a:p>
+              <a:r>
+                <a:rPr lang="en-US" altLang="zh-TW" sz="1400" dirty="0">
+                  <a:latin typeface="+mj-lt"/>
+                </a:rPr>
+                <a:t>100</a:t>
+              </a:r>
+              <a:endParaRPr lang="zh-TW" altLang="en-US" sz="1400" dirty="0">
+                <a:latin typeface="+mj-lt"/>
+              </a:endParaRPr>
+            </a:p>
+          </p:txBody>
+        </p:sp>
+        <p:sp>
+          <p:nvSpPr>
+            <p:cNvPr id="17" name="文字方塊 16">
+              <a:extLst>
+                <a:ext uri="{FF2B5EF4-FFF2-40B4-BE49-F238E27FC236}">
+                  <a16:creationId xmlns:a16="http://schemas.microsoft.com/office/drawing/2014/main" id="{64C465EA-6200-E3F2-3E00-6FEF428CD9C5}"/>
+                </a:ext>
+              </a:extLst>
+            </p:cNvPr>
+            <p:cNvSpPr txBox="1"/>
+            <p:nvPr/>
+          </p:nvSpPr>
+          <p:spPr>
+            <a:xfrm>
+              <a:off x="9444130" y="3485681"/>
+              <a:ext cx="266774" cy="307777"/>
+            </a:xfrm>
+            <a:prstGeom prst="rect">
+              <a:avLst/>
+            </a:prstGeom>
+            <a:noFill/>
+          </p:spPr>
+          <p:txBody>
+            <a:bodyPr wrap="square">
+              <a:spAutoFit/>
+            </a:bodyPr>
+            <a:lstStyle/>
+            <a:p>
+              <a:r>
+                <a:rPr lang="en-US" altLang="zh-TW" sz="1400" dirty="0">
+                  <a:latin typeface="+mj-lt"/>
+                </a:rPr>
+                <a:t>1</a:t>
+              </a:r>
+              <a:endParaRPr lang="zh-TW" altLang="en-US" sz="1400" dirty="0">
+                <a:latin typeface="+mj-lt"/>
+              </a:endParaRPr>
+            </a:p>
+          </p:txBody>
+        </p:sp>
+        <p:sp>
+          <p:nvSpPr>
+            <p:cNvPr id="18" name="文字方塊 17">
+              <a:extLst>
+                <a:ext uri="{FF2B5EF4-FFF2-40B4-BE49-F238E27FC236}">
+                  <a16:creationId xmlns:a16="http://schemas.microsoft.com/office/drawing/2014/main" id="{09C1798B-D82E-773F-F553-EDB5AE82E8C7}"/>
+                </a:ext>
+              </a:extLst>
+            </p:cNvPr>
+            <p:cNvSpPr txBox="1"/>
+            <p:nvPr/>
+          </p:nvSpPr>
+          <p:spPr>
+            <a:xfrm>
+              <a:off x="9439716" y="4071053"/>
+              <a:ext cx="499970" cy="307777"/>
+            </a:xfrm>
+            <a:prstGeom prst="rect">
+              <a:avLst/>
+            </a:prstGeom>
+            <a:noFill/>
+          </p:spPr>
+          <p:txBody>
+            <a:bodyPr wrap="square">
+              <a:spAutoFit/>
+            </a:bodyPr>
+            <a:lstStyle/>
+            <a:p>
+              <a:r>
+                <a:rPr lang="en-US" altLang="zh-TW" sz="1400" dirty="0">
+                  <a:latin typeface="+mj-lt"/>
+                </a:rPr>
+                <a:t>100</a:t>
+              </a:r>
+              <a:endParaRPr lang="zh-TW" altLang="en-US" sz="1400" dirty="0">
+                <a:latin typeface="+mj-lt"/>
+              </a:endParaRPr>
+            </a:p>
+          </p:txBody>
+        </p:sp>
+      </p:grpSp>
     </p:spTree>
     <p:extLst>
       <p:ext uri="{BB962C8B-B14F-4D97-AF65-F5344CB8AC3E}">
